--- a/R/Fig-Example.pptx
+++ b/R/Fig-Example.pptx
@@ -2222,9 +2222,9 @@
         </p:nvGrpSpPr>
         <p:grpSpPr>
           <a:xfrm>
-            <a:off x="914400" y="914400"/>
+            <a:off x="274320" y="91440"/>
             <a:ext cx="8001000" cy="6309360"/>
-            <a:chOff x="914400" y="914400"/>
+            <a:chOff x="274320" y="91440"/>
             <a:chExt cx="8001000" cy="6309360"/>
           </a:xfrm>
         </p:grpSpPr>
@@ -2236,8 +2236,8 @@
           </p:nvSpPr>
           <p:spPr>
             <a:xfrm>
-              <a:off x="914400" y="914400"/>
-              <a:ext cx="8001000" cy="6309359"/>
+              <a:off x="274320" y="91440"/>
+              <a:ext cx="8001000" cy="6309360"/>
             </a:xfrm>
             <a:prstGeom prst="rect">
               <a:avLst/>
@@ -2271,8 +2271,8 @@
           </p:nvSpPr>
           <p:spPr>
             <a:xfrm>
-              <a:off x="914400" y="914400"/>
-              <a:ext cx="8001000" cy="6309359"/>
+              <a:off x="274320" y="91440"/>
+              <a:ext cx="8001000" cy="6309360"/>
             </a:xfrm>
             <a:prstGeom prst="rect">
               <a:avLst/>
@@ -2306,7 +2306,7 @@
           </p:nvSpPr>
           <p:spPr>
             <a:xfrm>
-              <a:off x="1713118" y="4858888"/>
+              <a:off x="1073038" y="4035928"/>
               <a:ext cx="6842281" cy="0"/>
             </a:xfrm>
             <a:custGeom>
@@ -2349,7 +2349,7 @@
           </p:nvSpPr>
           <p:spPr>
             <a:xfrm>
-              <a:off x="1713118" y="3774282"/>
+              <a:off x="1073038" y="2951322"/>
               <a:ext cx="6842281" cy="0"/>
             </a:xfrm>
             <a:custGeom>
@@ -2392,7 +2392,7 @@
           </p:nvSpPr>
           <p:spPr>
             <a:xfrm>
-              <a:off x="1713118" y="2689675"/>
+              <a:off x="1073038" y="1866715"/>
               <a:ext cx="6842281" cy="0"/>
             </a:xfrm>
             <a:custGeom>
@@ -2435,7 +2435,7 @@
           </p:nvSpPr>
           <p:spPr>
             <a:xfrm>
-              <a:off x="1978979" y="3756245"/>
+              <a:off x="1338899" y="2933285"/>
               <a:ext cx="90303" cy="90303"/>
             </a:xfrm>
             <a:prstGeom prst="ellipse">
@@ -2470,7 +2470,7 @@
           </p:nvSpPr>
           <p:spPr>
             <a:xfrm>
-              <a:off x="2020826" y="4434124"/>
+              <a:off x="1380746" y="3611164"/>
               <a:ext cx="90303" cy="90303"/>
             </a:xfrm>
             <a:prstGeom prst="ellipse">
@@ -2505,7 +2505,7 @@
           </p:nvSpPr>
           <p:spPr>
             <a:xfrm>
-              <a:off x="2057442" y="3257326"/>
+              <a:off x="1417362" y="2434366"/>
               <a:ext cx="90303" cy="90303"/>
             </a:xfrm>
             <a:prstGeom prst="ellipse">
@@ -2540,7 +2540,7 @@
           </p:nvSpPr>
           <p:spPr>
             <a:xfrm>
-              <a:off x="2103773" y="2888560"/>
+              <a:off x="1463693" y="2065600"/>
               <a:ext cx="90303" cy="90303"/>
             </a:xfrm>
             <a:prstGeom prst="ellipse">
@@ -2575,7 +2575,7 @@
           </p:nvSpPr>
           <p:spPr>
             <a:xfrm>
-              <a:off x="2141883" y="3051251"/>
+              <a:off x="1501803" y="2228291"/>
               <a:ext cx="90303" cy="90303"/>
             </a:xfrm>
             <a:prstGeom prst="ellipse">
@@ -2610,7 +2610,7 @@
           </p:nvSpPr>
           <p:spPr>
             <a:xfrm>
-              <a:off x="2188961" y="2888560"/>
+              <a:off x="1548881" y="2065600"/>
               <a:ext cx="90303" cy="90303"/>
             </a:xfrm>
             <a:prstGeom prst="ellipse">
@@ -2645,7 +2645,7 @@
           </p:nvSpPr>
           <p:spPr>
             <a:xfrm>
-              <a:off x="2235292" y="2969905"/>
+              <a:off x="1595212" y="2146945"/>
               <a:ext cx="90303" cy="90303"/>
             </a:xfrm>
             <a:prstGeom prst="ellipse">
@@ -2680,7 +2680,7 @@
           </p:nvSpPr>
           <p:spPr>
             <a:xfrm>
-              <a:off x="2282370" y="4236183"/>
+              <a:off x="1642290" y="3413223"/>
               <a:ext cx="90303" cy="90303"/>
             </a:xfrm>
             <a:prstGeom prst="ellipse">
@@ -2715,7 +2715,7 @@
           </p:nvSpPr>
           <p:spPr>
             <a:xfrm>
-              <a:off x="2329447" y="3352229"/>
+              <a:off x="1689367" y="2529269"/>
               <a:ext cx="90303" cy="90303"/>
             </a:xfrm>
             <a:prstGeom prst="ellipse">
@@ -2750,7 +2750,7 @@
           </p:nvSpPr>
           <p:spPr>
             <a:xfrm>
-              <a:off x="2372042" y="2888560"/>
+              <a:off x="1731962" y="2065600"/>
               <a:ext cx="90303" cy="90303"/>
             </a:xfrm>
             <a:prstGeom prst="ellipse">
@@ -2785,7 +2785,7 @@
           </p:nvSpPr>
           <p:spPr>
             <a:xfrm>
-              <a:off x="2418372" y="2617408"/>
+              <a:off x="1778292" y="1794448"/>
               <a:ext cx="90303" cy="90303"/>
             </a:xfrm>
             <a:prstGeom prst="ellipse">
@@ -2820,7 +2820,7 @@
           </p:nvSpPr>
           <p:spPr>
             <a:xfrm>
-              <a:off x="2464703" y="3425440"/>
+              <a:off x="1824623" y="2602480"/>
               <a:ext cx="90303" cy="90303"/>
             </a:xfrm>
             <a:prstGeom prst="ellipse">
@@ -2855,7 +2855,7 @@
           </p:nvSpPr>
           <p:spPr>
             <a:xfrm>
-              <a:off x="2508044" y="4184664"/>
+              <a:off x="1867964" y="3361704"/>
               <a:ext cx="90303" cy="90303"/>
             </a:xfrm>
             <a:prstGeom prst="ellipse">
@@ -2890,7 +2890,7 @@
           </p:nvSpPr>
           <p:spPr>
             <a:xfrm>
-              <a:off x="2549891" y="3349517"/>
+              <a:off x="1909811" y="2526557"/>
               <a:ext cx="90303" cy="90303"/>
             </a:xfrm>
             <a:prstGeom prst="ellipse">
@@ -2925,7 +2925,7 @@
           </p:nvSpPr>
           <p:spPr>
             <a:xfrm>
-              <a:off x="2608178" y="2454717"/>
+              <a:off x="1968098" y="1631757"/>
               <a:ext cx="90303" cy="90303"/>
             </a:xfrm>
             <a:prstGeom prst="ellipse">
@@ -2960,7 +2960,7 @@
           </p:nvSpPr>
           <p:spPr>
             <a:xfrm>
-              <a:off x="2653014" y="2915675"/>
+              <a:off x="2012934" y="2092715"/>
               <a:ext cx="90303" cy="90303"/>
             </a:xfrm>
             <a:prstGeom prst="ellipse">
@@ -2995,7 +2995,7 @@
           </p:nvSpPr>
           <p:spPr>
             <a:xfrm>
-              <a:off x="2700840" y="2373372"/>
+              <a:off x="2060760" y="1550412"/>
               <a:ext cx="90303" cy="90303"/>
             </a:xfrm>
             <a:prstGeom prst="ellipse">
@@ -3030,7 +3030,7 @@
           </p:nvSpPr>
           <p:spPr>
             <a:xfrm>
-              <a:off x="2741939" y="3186827"/>
+              <a:off x="2101859" y="2363867"/>
               <a:ext cx="90303" cy="90303"/>
             </a:xfrm>
             <a:prstGeom prst="ellipse">
@@ -3065,7 +3065,7 @@
           </p:nvSpPr>
           <p:spPr>
             <a:xfrm>
-              <a:off x="2779303" y="3457978"/>
+              <a:off x="2139223" y="2635018"/>
               <a:ext cx="90303" cy="90303"/>
             </a:xfrm>
             <a:prstGeom prst="ellipse">
@@ -3100,7 +3100,7 @@
           </p:nvSpPr>
           <p:spPr>
             <a:xfrm>
-              <a:off x="2825633" y="3729130"/>
+              <a:off x="2185553" y="2906170"/>
               <a:ext cx="90303" cy="90303"/>
             </a:xfrm>
             <a:prstGeom prst="ellipse">
@@ -3135,7 +3135,7 @@
           </p:nvSpPr>
           <p:spPr>
             <a:xfrm>
-              <a:off x="2875700" y="3186827"/>
+              <a:off x="2235620" y="2363867"/>
               <a:ext cx="90303" cy="90303"/>
             </a:xfrm>
             <a:prstGeom prst="ellipse">
@@ -3170,7 +3170,7 @@
           </p:nvSpPr>
           <p:spPr>
             <a:xfrm>
-              <a:off x="2915305" y="3213942"/>
+              <a:off x="2275225" y="2390982"/>
               <a:ext cx="90303" cy="90303"/>
             </a:xfrm>
             <a:prstGeom prst="ellipse">
@@ -3205,7 +3205,7 @@
           </p:nvSpPr>
           <p:spPr>
             <a:xfrm>
-              <a:off x="2957152" y="1831068"/>
+              <a:off x="2317072" y="1008108"/>
               <a:ext cx="90303" cy="90303"/>
             </a:xfrm>
             <a:prstGeom prst="ellipse">
@@ -3240,7 +3240,7 @@
           </p:nvSpPr>
           <p:spPr>
             <a:xfrm>
-              <a:off x="2997505" y="4108742"/>
+              <a:off x="2357425" y="3285782"/>
               <a:ext cx="90303" cy="90303"/>
             </a:xfrm>
             <a:prstGeom prst="ellipse">
@@ -3275,7 +3275,7 @@
           </p:nvSpPr>
           <p:spPr>
             <a:xfrm>
-              <a:off x="3065506" y="3186827"/>
+              <a:off x="2425426" y="2363867"/>
               <a:ext cx="90303" cy="90303"/>
             </a:xfrm>
             <a:prstGeom prst="ellipse">
@@ -3310,7 +3310,7 @@
           </p:nvSpPr>
           <p:spPr>
             <a:xfrm>
-              <a:off x="3110342" y="3430863"/>
+              <a:off x="2470262" y="2607903"/>
               <a:ext cx="90303" cy="90303"/>
             </a:xfrm>
             <a:prstGeom prst="ellipse">
@@ -3345,7 +3345,7 @@
           </p:nvSpPr>
           <p:spPr>
             <a:xfrm>
-              <a:off x="3146211" y="3593554"/>
+              <a:off x="2506131" y="2770594"/>
               <a:ext cx="90303" cy="90303"/>
             </a:xfrm>
             <a:prstGeom prst="ellipse">
@@ -3380,7 +3380,7 @@
           </p:nvSpPr>
           <p:spPr>
             <a:xfrm>
-              <a:off x="3197025" y="3512208"/>
+              <a:off x="2556945" y="2689248"/>
               <a:ext cx="90303" cy="90303"/>
             </a:xfrm>
             <a:prstGeom prst="ellipse">
@@ -3415,7 +3415,7 @@
           </p:nvSpPr>
           <p:spPr>
             <a:xfrm>
-              <a:off x="3246345" y="3186827"/>
+              <a:off x="2606265" y="2363867"/>
               <a:ext cx="90303" cy="90303"/>
             </a:xfrm>
             <a:prstGeom prst="ellipse">
@@ -3450,7 +3450,7 @@
           </p:nvSpPr>
           <p:spPr>
             <a:xfrm>
-              <a:off x="3281466" y="2644523"/>
+              <a:off x="2641386" y="1821563"/>
               <a:ext cx="90303" cy="90303"/>
             </a:xfrm>
             <a:prstGeom prst="ellipse">
@@ -3485,7 +3485,7 @@
           </p:nvSpPr>
           <p:spPr>
             <a:xfrm>
-              <a:off x="3329292" y="4027396"/>
+              <a:off x="2689212" y="3204436"/>
               <a:ext cx="90303" cy="90303"/>
             </a:xfrm>
             <a:prstGeom prst="ellipse">
@@ -3520,7 +3520,7 @@
           </p:nvSpPr>
           <p:spPr>
             <a:xfrm>
-              <a:off x="3381600" y="4786621"/>
+              <a:off x="2741520" y="3963661"/>
               <a:ext cx="90303" cy="90303"/>
             </a:xfrm>
             <a:prstGeom prst="ellipse">
@@ -3555,7 +3555,7 @@
           </p:nvSpPr>
           <p:spPr>
             <a:xfrm>
-              <a:off x="3417469" y="4895082"/>
+              <a:off x="2777389" y="4072122"/>
               <a:ext cx="90303" cy="90303"/>
             </a:xfrm>
             <a:prstGeom prst="ellipse">
@@ -3590,7 +3590,7 @@
           </p:nvSpPr>
           <p:spPr>
             <a:xfrm>
-              <a:off x="3469031" y="4922197"/>
+              <a:off x="2828951" y="4099237"/>
               <a:ext cx="90303" cy="90303"/>
             </a:xfrm>
             <a:prstGeom prst="ellipse">
@@ -3625,7 +3625,7 @@
           </p:nvSpPr>
           <p:spPr>
             <a:xfrm>
-              <a:off x="3507889" y="4515469"/>
+              <a:off x="2867809" y="3692509"/>
               <a:ext cx="90303" cy="90303"/>
             </a:xfrm>
             <a:prstGeom prst="ellipse">
@@ -3660,7 +3660,7 @@
           </p:nvSpPr>
           <p:spPr>
             <a:xfrm>
-              <a:off x="3554966" y="5006254"/>
+              <a:off x="2914886" y="4183294"/>
               <a:ext cx="90303" cy="90303"/>
             </a:xfrm>
             <a:prstGeom prst="ellipse">
@@ -3695,7 +3695,7 @@
           </p:nvSpPr>
           <p:spPr>
             <a:xfrm>
-              <a:off x="3602044" y="5247579"/>
+              <a:off x="2961964" y="4424619"/>
               <a:ext cx="90303" cy="90303"/>
             </a:xfrm>
             <a:prstGeom prst="ellipse">
@@ -3730,7 +3730,7 @@
           </p:nvSpPr>
           <p:spPr>
             <a:xfrm>
-              <a:off x="3649122" y="4529027"/>
+              <a:off x="3009042" y="3706067"/>
               <a:ext cx="90303" cy="90303"/>
             </a:xfrm>
             <a:prstGeom prst="ellipse">
@@ -3765,7 +3765,7 @@
           </p:nvSpPr>
           <p:spPr>
             <a:xfrm>
-              <a:off x="3704420" y="3655919"/>
+              <a:off x="3064340" y="2832959"/>
               <a:ext cx="90303" cy="90303"/>
             </a:xfrm>
             <a:prstGeom prst="ellipse">
@@ -3800,7 +3800,7 @@
           </p:nvSpPr>
           <p:spPr>
             <a:xfrm>
-              <a:off x="3752245" y="3051251"/>
+              <a:off x="3112165" y="2228291"/>
               <a:ext cx="90303" cy="90303"/>
             </a:xfrm>
             <a:prstGeom prst="ellipse">
@@ -3835,7 +3835,7 @@
           </p:nvSpPr>
           <p:spPr>
             <a:xfrm>
-              <a:off x="3790356" y="3249191"/>
+              <a:off x="3150276" y="2426231"/>
               <a:ext cx="90303" cy="90303"/>
             </a:xfrm>
             <a:prstGeom prst="ellipse">
@@ -3870,7 +3870,7 @@
           </p:nvSpPr>
           <p:spPr>
             <a:xfrm>
-              <a:off x="3824730" y="4515469"/>
+              <a:off x="3184650" y="3692509"/>
               <a:ext cx="90303" cy="90303"/>
             </a:xfrm>
             <a:prstGeom prst="ellipse">
@@ -3905,7 +3905,7 @@
           </p:nvSpPr>
           <p:spPr>
             <a:xfrm>
-              <a:off x="3884511" y="2644523"/>
+              <a:off x="3244431" y="1821563"/>
               <a:ext cx="90303" cy="90303"/>
             </a:xfrm>
             <a:prstGeom prst="ellipse">
@@ -3940,7 +3940,7 @@
           </p:nvSpPr>
           <p:spPr>
             <a:xfrm>
-              <a:off x="3921128" y="5193348"/>
+              <a:off x="3281048" y="4370388"/>
               <a:ext cx="90303" cy="90303"/>
             </a:xfrm>
             <a:prstGeom prst="ellipse">
@@ -3975,7 +3975,7 @@
           </p:nvSpPr>
           <p:spPr>
             <a:xfrm>
-              <a:off x="3962975" y="2373372"/>
+              <a:off x="3322895" y="1550412"/>
               <a:ext cx="90303" cy="90303"/>
             </a:xfrm>
             <a:prstGeom prst="ellipse">
@@ -4010,7 +4010,7 @@
           </p:nvSpPr>
           <p:spPr>
             <a:xfrm>
-              <a:off x="4019767" y="2644523"/>
+              <a:off x="3379687" y="1821563"/>
               <a:ext cx="90303" cy="90303"/>
             </a:xfrm>
             <a:prstGeom prst="ellipse">
@@ -4045,7 +4045,7 @@
           </p:nvSpPr>
           <p:spPr>
             <a:xfrm>
-              <a:off x="4065350" y="2915675"/>
+              <a:off x="3425270" y="2092715"/>
               <a:ext cx="90303" cy="90303"/>
             </a:xfrm>
             <a:prstGeom prst="ellipse">
@@ -4080,7 +4080,7 @@
           </p:nvSpPr>
           <p:spPr>
             <a:xfrm>
-              <a:off x="4104208" y="3620669"/>
+              <a:off x="3464128" y="2797709"/>
               <a:ext cx="90303" cy="90303"/>
             </a:xfrm>
             <a:prstGeom prst="ellipse">
@@ -4115,7 +4115,7 @@
           </p:nvSpPr>
           <p:spPr>
             <a:xfrm>
-              <a:off x="4144561" y="3186827"/>
+              <a:off x="3504481" y="2363867"/>
               <a:ext cx="90303" cy="90303"/>
             </a:xfrm>
             <a:prstGeom prst="ellipse">
@@ -4150,7 +4150,7 @@
           </p:nvSpPr>
           <p:spPr>
             <a:xfrm>
-              <a:off x="4187902" y="2915675"/>
+              <a:off x="3547822" y="2092715"/>
               <a:ext cx="90303" cy="90303"/>
             </a:xfrm>
             <a:prstGeom prst="ellipse">
@@ -4185,7 +4185,7 @@
           </p:nvSpPr>
           <p:spPr>
             <a:xfrm>
-              <a:off x="4232738" y="2644523"/>
+              <a:off x="3592658" y="1821563"/>
               <a:ext cx="90303" cy="90303"/>
             </a:xfrm>
             <a:prstGeom prst="ellipse">
@@ -4220,7 +4220,7 @@
           </p:nvSpPr>
           <p:spPr>
             <a:xfrm>
-              <a:off x="4287289" y="3186827"/>
+              <a:off x="3647209" y="2363867"/>
               <a:ext cx="90303" cy="90303"/>
             </a:xfrm>
             <a:prstGeom prst="ellipse">
@@ -4255,7 +4255,7 @@
           </p:nvSpPr>
           <p:spPr>
             <a:xfrm>
-              <a:off x="4327641" y="3186827"/>
+              <a:off x="3687561" y="2363867"/>
               <a:ext cx="90303" cy="90303"/>
             </a:xfrm>
             <a:prstGeom prst="ellipse">
@@ -4290,7 +4290,7 @@
           </p:nvSpPr>
           <p:spPr>
             <a:xfrm>
-              <a:off x="4379203" y="3674899"/>
+              <a:off x="3739123" y="2851939"/>
               <a:ext cx="90303" cy="90303"/>
             </a:xfrm>
             <a:prstGeom prst="ellipse">
@@ -4325,7 +4325,7 @@
           </p:nvSpPr>
           <p:spPr>
             <a:xfrm>
-              <a:off x="4428522" y="4190087"/>
+              <a:off x="3788442" y="3367127"/>
               <a:ext cx="90303" cy="90303"/>
             </a:xfrm>
             <a:prstGeom prst="ellipse">
@@ -4360,7 +4360,7 @@
           </p:nvSpPr>
           <p:spPr>
             <a:xfrm>
-              <a:off x="4468875" y="2102220"/>
+              <a:off x="3828795" y="1279260"/>
               <a:ext cx="90303" cy="90303"/>
             </a:xfrm>
             <a:prstGeom prst="ellipse">
@@ -4395,7 +4395,7 @@
           </p:nvSpPr>
           <p:spPr>
             <a:xfrm>
-              <a:off x="4516700" y="2644523"/>
+              <a:off x="3876620" y="1821563"/>
               <a:ext cx="90303" cy="90303"/>
             </a:xfrm>
             <a:prstGeom prst="ellipse">
@@ -4430,7 +4430,7 @@
           </p:nvSpPr>
           <p:spPr>
             <a:xfrm>
-              <a:off x="4569009" y="2915675"/>
+              <a:off x="3928929" y="2092715"/>
               <a:ext cx="90303" cy="90303"/>
             </a:xfrm>
             <a:prstGeom prst="ellipse">
@@ -4465,7 +4465,7 @@
           </p:nvSpPr>
           <p:spPr>
             <a:xfrm>
-              <a:off x="4601141" y="3241057"/>
+              <a:off x="3961061" y="2418097"/>
               <a:ext cx="90303" cy="90303"/>
             </a:xfrm>
             <a:prstGeom prst="ellipse">
@@ -4500,7 +4500,7 @@
           </p:nvSpPr>
           <p:spPr>
             <a:xfrm>
-              <a:off x="4641494" y="2915675"/>
+              <a:off x="4001414" y="2092715"/>
               <a:ext cx="90303" cy="90303"/>
             </a:xfrm>
             <a:prstGeom prst="ellipse">
@@ -4535,7 +4535,7 @@
           </p:nvSpPr>
           <p:spPr>
             <a:xfrm>
-              <a:off x="4705011" y="4678160"/>
+              <a:off x="4064931" y="3855200"/>
               <a:ext cx="90303" cy="90303"/>
             </a:xfrm>
             <a:prstGeom prst="ellipse">
@@ -4570,7 +4570,7 @@
           </p:nvSpPr>
           <p:spPr>
             <a:xfrm>
-              <a:off x="4705759" y="4569700"/>
+              <a:off x="4065679" y="3746740"/>
               <a:ext cx="90303" cy="90303"/>
             </a:xfrm>
             <a:prstGeom prst="ellipse">
@@ -4605,7 +4605,7 @@
           </p:nvSpPr>
           <p:spPr>
             <a:xfrm>
-              <a:off x="4736397" y="3864706"/>
+              <a:off x="4096317" y="3041746"/>
               <a:ext cx="90303" cy="90303"/>
             </a:xfrm>
             <a:prstGeom prst="ellipse">
@@ -4640,7 +4640,7 @@
           </p:nvSpPr>
           <p:spPr>
             <a:xfrm>
-              <a:off x="4776749" y="3566439"/>
+              <a:off x="4136669" y="2743479"/>
               <a:ext cx="90303" cy="90303"/>
             </a:xfrm>
             <a:prstGeom prst="ellipse">
@@ -4675,7 +4675,7 @@
           </p:nvSpPr>
           <p:spPr>
             <a:xfrm>
-              <a:off x="4829805" y="3810475"/>
+              <a:off x="4189725" y="2987515"/>
               <a:ext cx="90303" cy="90303"/>
             </a:xfrm>
             <a:prstGeom prst="ellipse">
@@ -4710,7 +4710,7 @@
           </p:nvSpPr>
           <p:spPr>
             <a:xfrm>
-              <a:off x="4872399" y="3620669"/>
+              <a:off x="4232319" y="2797709"/>
               <a:ext cx="90303" cy="90303"/>
             </a:xfrm>
             <a:prstGeom prst="ellipse">
@@ -4745,7 +4745,7 @@
           </p:nvSpPr>
           <p:spPr>
             <a:xfrm>
-              <a:off x="4935170" y="4000281"/>
+              <a:off x="4295090" y="3177321"/>
               <a:ext cx="90303" cy="90303"/>
             </a:xfrm>
             <a:prstGeom prst="ellipse">
@@ -4780,7 +4780,7 @@
           </p:nvSpPr>
           <p:spPr>
             <a:xfrm>
-              <a:off x="4966555" y="4623930"/>
+              <a:off x="4326475" y="3800970"/>
               <a:ext cx="90303" cy="90303"/>
             </a:xfrm>
             <a:prstGeom prst="ellipse">
@@ -4815,7 +4815,7 @@
           </p:nvSpPr>
           <p:spPr>
             <a:xfrm>
-              <a:off x="5019611" y="3918936"/>
+              <a:off x="4379531" y="3095976"/>
               <a:ext cx="90303" cy="90303"/>
             </a:xfrm>
             <a:prstGeom prst="ellipse">
@@ -4850,7 +4850,7 @@
           </p:nvSpPr>
           <p:spPr>
             <a:xfrm>
-              <a:off x="5054733" y="4027396"/>
+              <a:off x="4414653" y="3204436"/>
               <a:ext cx="90303" cy="90303"/>
             </a:xfrm>
             <a:prstGeom prst="ellipse">
@@ -4885,7 +4885,7 @@
           </p:nvSpPr>
           <p:spPr>
             <a:xfrm>
-              <a:off x="5098074" y="3918936"/>
+              <a:off x="4457994" y="3095976"/>
               <a:ext cx="90303" cy="90303"/>
             </a:xfrm>
             <a:prstGeom prst="ellipse">
@@ -4920,7 +4920,7 @@
           </p:nvSpPr>
           <p:spPr>
             <a:xfrm>
-              <a:off x="5148888" y="3864706"/>
+              <a:off x="4508808" y="3041746"/>
               <a:ext cx="90303" cy="90303"/>
             </a:xfrm>
             <a:prstGeom prst="ellipse">
@@ -4955,7 +4955,7 @@
           </p:nvSpPr>
           <p:spPr>
             <a:xfrm>
-              <a:off x="5195219" y="3593554"/>
+              <a:off x="4555139" y="2770594"/>
               <a:ext cx="90303" cy="90303"/>
             </a:xfrm>
             <a:prstGeom prst="ellipse">
@@ -4990,7 +4990,7 @@
           </p:nvSpPr>
           <p:spPr>
             <a:xfrm>
-              <a:off x="5239308" y="4596815"/>
+              <a:off x="4599228" y="3773855"/>
               <a:ext cx="90303" cy="90303"/>
             </a:xfrm>
             <a:prstGeom prst="ellipse">
@@ -5025,7 +5025,7 @@
           </p:nvSpPr>
           <p:spPr>
             <a:xfrm>
-              <a:off x="5284891" y="4922197"/>
+              <a:off x="4644811" y="4099237"/>
               <a:ext cx="90303" cy="90303"/>
             </a:xfrm>
             <a:prstGeom prst="ellipse">
@@ -5060,7 +5060,7 @@
           </p:nvSpPr>
           <p:spPr>
             <a:xfrm>
-              <a:off x="5322254" y="4027396"/>
+              <a:off x="4682174" y="3204436"/>
               <a:ext cx="90303" cy="90303"/>
             </a:xfrm>
             <a:prstGeom prst="ellipse">
@@ -5095,7 +5095,7 @@
           </p:nvSpPr>
           <p:spPr>
             <a:xfrm>
-              <a:off x="5379794" y="3241057"/>
+              <a:off x="4739714" y="2418097"/>
               <a:ext cx="90303" cy="90303"/>
             </a:xfrm>
             <a:prstGeom prst="ellipse">
@@ -5130,7 +5130,7 @@
           </p:nvSpPr>
           <p:spPr>
             <a:xfrm>
-              <a:off x="5426872" y="3647784"/>
+              <a:off x="4786792" y="2824824"/>
               <a:ext cx="90303" cy="90303"/>
             </a:xfrm>
             <a:prstGeom prst="ellipse">
@@ -5165,7 +5165,7 @@
           </p:nvSpPr>
           <p:spPr>
             <a:xfrm>
-              <a:off x="5459004" y="4162972"/>
+              <a:off x="4818924" y="3340012"/>
               <a:ext cx="90303" cy="90303"/>
             </a:xfrm>
             <a:prstGeom prst="ellipse">
@@ -5200,7 +5200,7 @@
           </p:nvSpPr>
           <p:spPr>
             <a:xfrm>
-              <a:off x="5510566" y="3593554"/>
+              <a:off x="4870486" y="2770594"/>
               <a:ext cx="90303" cy="90303"/>
             </a:xfrm>
             <a:prstGeom prst="ellipse">
@@ -5235,7 +5235,7 @@
           </p:nvSpPr>
           <p:spPr>
             <a:xfrm>
-              <a:off x="5552413" y="4108742"/>
+              <a:off x="4912333" y="3285782"/>
               <a:ext cx="90303" cy="90303"/>
             </a:xfrm>
             <a:prstGeom prst="ellipse">
@@ -5270,7 +5270,7 @@
           </p:nvSpPr>
           <p:spPr>
             <a:xfrm>
-              <a:off x="5599491" y="3186827"/>
+              <a:off x="4959411" y="2363867"/>
               <a:ext cx="90303" cy="90303"/>
             </a:xfrm>
             <a:prstGeom prst="ellipse">
@@ -5305,7 +5305,7 @@
           </p:nvSpPr>
           <p:spPr>
             <a:xfrm>
-              <a:off x="5641338" y="2915675"/>
+              <a:off x="5001258" y="2092715"/>
               <a:ext cx="90303" cy="90303"/>
             </a:xfrm>
             <a:prstGeom prst="ellipse">
@@ -5340,7 +5340,7 @@
           </p:nvSpPr>
           <p:spPr>
             <a:xfrm>
-              <a:off x="5688416" y="2644523"/>
+              <a:off x="5048336" y="1821563"/>
               <a:ext cx="90303" cy="90303"/>
             </a:xfrm>
             <a:prstGeom prst="ellipse">
@@ -5375,7 +5375,7 @@
           </p:nvSpPr>
           <p:spPr>
             <a:xfrm>
-              <a:off x="5734746" y="2644523"/>
+              <a:off x="5094666" y="1821563"/>
               <a:ext cx="90303" cy="90303"/>
             </a:xfrm>
             <a:prstGeom prst="ellipse">
@@ -5410,7 +5410,7 @@
           </p:nvSpPr>
           <p:spPr>
             <a:xfrm>
-              <a:off x="5782571" y="4379894"/>
+              <a:off x="5142491" y="3556934"/>
               <a:ext cx="90303" cy="90303"/>
             </a:xfrm>
             <a:prstGeom prst="ellipse">
@@ -5445,7 +5445,7 @@
           </p:nvSpPr>
           <p:spPr>
             <a:xfrm>
-              <a:off x="5824418" y="2644523"/>
+              <a:off x="5184338" y="1821563"/>
               <a:ext cx="90303" cy="90303"/>
             </a:xfrm>
             <a:prstGeom prst="ellipse">
@@ -5480,7 +5480,7 @@
           </p:nvSpPr>
           <p:spPr>
             <a:xfrm>
-              <a:off x="5875980" y="2644523"/>
+              <a:off x="5235900" y="1821563"/>
               <a:ext cx="90303" cy="90303"/>
             </a:xfrm>
             <a:prstGeom prst="ellipse">
@@ -5515,7 +5515,7 @@
           </p:nvSpPr>
           <p:spPr>
             <a:xfrm>
-              <a:off x="5923805" y="2644523"/>
+              <a:off x="5283725" y="1821563"/>
               <a:ext cx="90303" cy="90303"/>
             </a:xfrm>
             <a:prstGeom prst="ellipse">
@@ -5550,7 +5550,7 @@
           </p:nvSpPr>
           <p:spPr>
             <a:xfrm>
-              <a:off x="5961168" y="2644523"/>
+              <a:off x="5321088" y="1821563"/>
               <a:ext cx="90303" cy="90303"/>
             </a:xfrm>
             <a:prstGeom prst="ellipse">
@@ -5585,7 +5585,7 @@
           </p:nvSpPr>
           <p:spPr>
             <a:xfrm>
-              <a:off x="6012730" y="2373372"/>
+              <a:off x="5372650" y="1550412"/>
               <a:ext cx="90303" cy="90303"/>
             </a:xfrm>
             <a:prstGeom prst="ellipse">
@@ -5620,7 +5620,7 @@
           </p:nvSpPr>
           <p:spPr>
             <a:xfrm>
-              <a:off x="6064291" y="2373372"/>
+              <a:off x="5424211" y="1550412"/>
               <a:ext cx="90303" cy="90303"/>
             </a:xfrm>
             <a:prstGeom prst="ellipse">
@@ -5655,7 +5655,7 @@
           </p:nvSpPr>
           <p:spPr>
             <a:xfrm>
-              <a:off x="6097171" y="2373372"/>
+              <a:off x="5457091" y="1550412"/>
               <a:ext cx="90303" cy="90303"/>
             </a:xfrm>
             <a:prstGeom prst="ellipse">
@@ -5690,7 +5690,7 @@
           </p:nvSpPr>
           <p:spPr>
             <a:xfrm>
-              <a:off x="6142754" y="3241057"/>
+              <a:off x="5502674" y="2418097"/>
               <a:ext cx="90303" cy="90303"/>
             </a:xfrm>
             <a:prstGeom prst="ellipse">
@@ -5725,7 +5725,7 @@
           </p:nvSpPr>
           <p:spPr>
             <a:xfrm>
-              <a:off x="6201041" y="3593554"/>
+              <a:off x="5560961" y="2770594"/>
               <a:ext cx="90303" cy="90303"/>
             </a:xfrm>
             <a:prstGeom prst="ellipse">
@@ -5760,7 +5760,7 @@
           </p:nvSpPr>
           <p:spPr>
             <a:xfrm>
-              <a:off x="6252603" y="2644523"/>
+              <a:off x="5612523" y="1821563"/>
               <a:ext cx="90303" cy="90303"/>
             </a:xfrm>
             <a:prstGeom prst="ellipse">
@@ -5795,7 +5795,7 @@
           </p:nvSpPr>
           <p:spPr>
             <a:xfrm>
-              <a:off x="6289966" y="2644523"/>
+              <a:off x="5649886" y="1821563"/>
               <a:ext cx="90303" cy="90303"/>
             </a:xfrm>
             <a:prstGeom prst="ellipse">
@@ -5830,7 +5830,7 @@
           </p:nvSpPr>
           <p:spPr>
             <a:xfrm>
-              <a:off x="6337791" y="4407009"/>
+              <a:off x="5697711" y="3584049"/>
               <a:ext cx="90303" cy="90303"/>
             </a:xfrm>
             <a:prstGeom prst="ellipse">
@@ -5865,7 +5865,7 @@
           </p:nvSpPr>
           <p:spPr>
             <a:xfrm>
-              <a:off x="6378144" y="3620669"/>
+              <a:off x="5738064" y="2797709"/>
               <a:ext cx="90303" cy="90303"/>
             </a:xfrm>
             <a:prstGeom prst="ellipse">
@@ -5900,7 +5900,7 @@
           </p:nvSpPr>
           <p:spPr>
             <a:xfrm>
-              <a:off x="6419991" y="3512208"/>
+              <a:off x="5779911" y="2689248"/>
               <a:ext cx="90303" cy="90303"/>
             </a:xfrm>
             <a:prstGeom prst="ellipse">
@@ -5935,7 +5935,7 @@
           </p:nvSpPr>
           <p:spPr>
             <a:xfrm>
-              <a:off x="6472299" y="3376633"/>
+              <a:off x="5832219" y="2553673"/>
               <a:ext cx="90303" cy="90303"/>
             </a:xfrm>
             <a:prstGeom prst="ellipse">
@@ -5970,7 +5970,7 @@
           </p:nvSpPr>
           <p:spPr>
             <a:xfrm>
-              <a:off x="6509663" y="3620669"/>
+              <a:off x="5869583" y="2797709"/>
               <a:ext cx="90303" cy="90303"/>
             </a:xfrm>
             <a:prstGeom prst="ellipse">
@@ -6005,7 +6005,7 @@
           </p:nvSpPr>
           <p:spPr>
             <a:xfrm>
-              <a:off x="6556741" y="2644523"/>
+              <a:off x="5916661" y="1821563"/>
               <a:ext cx="90303" cy="90303"/>
             </a:xfrm>
             <a:prstGeom prst="ellipse">
@@ -6040,7 +6040,7 @@
           </p:nvSpPr>
           <p:spPr>
             <a:xfrm>
-              <a:off x="6603818" y="3566439"/>
+              <a:off x="5963738" y="2743479"/>
               <a:ext cx="90303" cy="90303"/>
             </a:xfrm>
             <a:prstGeom prst="ellipse">
@@ -6075,7 +6075,7 @@
           </p:nvSpPr>
           <p:spPr>
             <a:xfrm>
-              <a:off x="6654633" y="4135857"/>
+              <a:off x="6014553" y="3312897"/>
               <a:ext cx="90303" cy="90303"/>
             </a:xfrm>
             <a:prstGeom prst="ellipse">
@@ -6110,7 +6110,7 @@
           </p:nvSpPr>
           <p:spPr>
             <a:xfrm>
-              <a:off x="6703952" y="2102220"/>
+              <a:off x="6063872" y="1279260"/>
               <a:ext cx="90303" cy="90303"/>
             </a:xfrm>
             <a:prstGeom prst="ellipse">
@@ -6145,7 +6145,7 @@
           </p:nvSpPr>
           <p:spPr>
             <a:xfrm>
-              <a:off x="6733096" y="1831068"/>
+              <a:off x="6093016" y="1008108"/>
               <a:ext cx="90303" cy="90303"/>
             </a:xfrm>
             <a:prstGeom prst="ellipse">
@@ -6180,7 +6180,7 @@
           </p:nvSpPr>
           <p:spPr>
             <a:xfrm>
-              <a:off x="6786899" y="1831068"/>
+              <a:off x="6146819" y="1008108"/>
               <a:ext cx="90303" cy="90303"/>
             </a:xfrm>
             <a:prstGeom prst="ellipse">
@@ -6215,7 +6215,7 @@
           </p:nvSpPr>
           <p:spPr>
             <a:xfrm>
-              <a:off x="6827999" y="2102220"/>
+              <a:off x="6187919" y="1279260"/>
               <a:ext cx="90303" cy="90303"/>
             </a:xfrm>
             <a:prstGeom prst="ellipse">
@@ -6250,7 +6250,7 @@
           </p:nvSpPr>
           <p:spPr>
             <a:xfrm>
-              <a:off x="6876571" y="3810475"/>
+              <a:off x="6236491" y="2987515"/>
               <a:ext cx="90303" cy="90303"/>
             </a:xfrm>
             <a:prstGeom prst="ellipse">
@@ -6285,7 +6285,7 @@
           </p:nvSpPr>
           <p:spPr>
             <a:xfrm>
-              <a:off x="6918418" y="2373372"/>
+              <a:off x="6278338" y="1550412"/>
               <a:ext cx="90303" cy="90303"/>
             </a:xfrm>
             <a:prstGeom prst="ellipse">
@@ -6320,7 +6320,7 @@
           </p:nvSpPr>
           <p:spPr>
             <a:xfrm>
-              <a:off x="6966243" y="2644523"/>
+              <a:off x="6326163" y="1821563"/>
               <a:ext cx="90303" cy="90303"/>
             </a:xfrm>
             <a:prstGeom prst="ellipse">
@@ -6355,7 +6355,7 @@
           </p:nvSpPr>
           <p:spPr>
             <a:xfrm>
-              <a:off x="7007343" y="2644523"/>
+              <a:off x="6367263" y="1821563"/>
               <a:ext cx="90303" cy="90303"/>
             </a:xfrm>
             <a:prstGeom prst="ellipse">
@@ -6390,7 +6390,7 @@
           </p:nvSpPr>
           <p:spPr>
             <a:xfrm>
-              <a:off x="7058904" y="2915675"/>
+              <a:off x="6418824" y="2092715"/>
               <a:ext cx="90303" cy="90303"/>
             </a:xfrm>
             <a:prstGeom prst="ellipse">
@@ -6425,7 +6425,7 @@
           </p:nvSpPr>
           <p:spPr>
             <a:xfrm>
-              <a:off x="7107477" y="2915675"/>
+              <a:off x="6467397" y="2092715"/>
               <a:ext cx="90303" cy="90303"/>
             </a:xfrm>
             <a:prstGeom prst="ellipse">
@@ -6460,7 +6460,7 @@
           </p:nvSpPr>
           <p:spPr>
             <a:xfrm>
-              <a:off x="7147829" y="2644523"/>
+              <a:off x="6507749" y="1821563"/>
               <a:ext cx="90303" cy="90303"/>
             </a:xfrm>
             <a:prstGeom prst="ellipse">
@@ -6495,7 +6495,7 @@
           </p:nvSpPr>
           <p:spPr>
             <a:xfrm>
-              <a:off x="7198643" y="2915675"/>
+              <a:off x="6558563" y="2092715"/>
               <a:ext cx="90303" cy="90303"/>
             </a:xfrm>
             <a:prstGeom prst="ellipse">
@@ -6530,7 +6530,7 @@
           </p:nvSpPr>
           <p:spPr>
             <a:xfrm>
-              <a:off x="7238249" y="2102220"/>
+              <a:off x="6598169" y="1279260"/>
               <a:ext cx="90303" cy="90303"/>
             </a:xfrm>
             <a:prstGeom prst="ellipse">
@@ -6565,7 +6565,7 @@
           </p:nvSpPr>
           <p:spPr>
             <a:xfrm>
-              <a:off x="7289063" y="2373372"/>
+              <a:off x="6648983" y="1550412"/>
               <a:ext cx="90303" cy="90303"/>
             </a:xfrm>
             <a:prstGeom prst="ellipse">
@@ -6600,7 +6600,7 @@
           </p:nvSpPr>
           <p:spPr>
             <a:xfrm>
-              <a:off x="7326426" y="2102220"/>
+              <a:off x="6686346" y="1279260"/>
               <a:ext cx="90303" cy="90303"/>
             </a:xfrm>
             <a:prstGeom prst="ellipse">
@@ -6635,7 +6635,7 @@
           </p:nvSpPr>
           <p:spPr>
             <a:xfrm>
-              <a:off x="7389197" y="2102220"/>
+              <a:off x="6749117" y="1279260"/>
               <a:ext cx="90303" cy="90303"/>
             </a:xfrm>
             <a:prstGeom prst="ellipse">
@@ -6670,7 +6670,7 @@
           </p:nvSpPr>
           <p:spPr>
             <a:xfrm>
-              <a:off x="7424318" y="4379894"/>
+              <a:off x="6784238" y="3556934"/>
               <a:ext cx="90303" cy="90303"/>
             </a:xfrm>
             <a:prstGeom prst="ellipse">
@@ -6705,7 +6705,7 @@
           </p:nvSpPr>
           <p:spPr>
             <a:xfrm>
-              <a:off x="7467660" y="4162972"/>
+              <a:off x="6827580" y="3340012"/>
               <a:ext cx="90303" cy="90303"/>
             </a:xfrm>
             <a:prstGeom prst="ellipse">
@@ -6740,7 +6740,7 @@
           </p:nvSpPr>
           <p:spPr>
             <a:xfrm>
-              <a:off x="7518474" y="2644523"/>
+              <a:off x="6878394" y="1821563"/>
               <a:ext cx="90303" cy="90303"/>
             </a:xfrm>
             <a:prstGeom prst="ellipse">
@@ -6775,7 +6775,7 @@
           </p:nvSpPr>
           <p:spPr>
             <a:xfrm>
-              <a:off x="7561068" y="2915675"/>
+              <a:off x="6920988" y="2092715"/>
               <a:ext cx="90303" cy="90303"/>
             </a:xfrm>
             <a:prstGeom prst="ellipse">
@@ -6810,7 +6810,7 @@
           </p:nvSpPr>
           <p:spPr>
             <a:xfrm>
-              <a:off x="7609641" y="3295287"/>
+              <a:off x="6969561" y="2472327"/>
               <a:ext cx="90303" cy="90303"/>
             </a:xfrm>
             <a:prstGeom prst="ellipse">
@@ -6845,7 +6845,7 @@
           </p:nvSpPr>
           <p:spPr>
             <a:xfrm>
-              <a:off x="7654477" y="3241057"/>
+              <a:off x="7014397" y="2418097"/>
               <a:ext cx="90303" cy="90303"/>
             </a:xfrm>
             <a:prstGeom prst="ellipse">
@@ -6880,7 +6880,7 @@
           </p:nvSpPr>
           <p:spPr>
             <a:xfrm>
-              <a:off x="7697071" y="3512208"/>
+              <a:off x="7056991" y="2689248"/>
               <a:ext cx="90303" cy="90303"/>
             </a:xfrm>
             <a:prstGeom prst="ellipse">
@@ -6915,7 +6915,7 @@
           </p:nvSpPr>
           <p:spPr>
             <a:xfrm>
-              <a:off x="7749380" y="4867966"/>
+              <a:off x="7109300" y="4045006"/>
               <a:ext cx="90303" cy="90303"/>
             </a:xfrm>
             <a:prstGeom prst="ellipse">
@@ -6950,7 +6950,7 @@
           </p:nvSpPr>
           <p:spPr>
             <a:xfrm>
-              <a:off x="7790479" y="5166233"/>
+              <a:off x="7150399" y="4343273"/>
               <a:ext cx="90303" cy="90303"/>
             </a:xfrm>
             <a:prstGeom prst="ellipse">
@@ -6985,7 +6985,7 @@
           </p:nvSpPr>
           <p:spPr>
             <a:xfrm>
-              <a:off x="7837557" y="5057773"/>
+              <a:off x="7197477" y="4234813"/>
               <a:ext cx="90303" cy="90303"/>
             </a:xfrm>
             <a:prstGeom prst="ellipse">
@@ -7020,7 +7020,7 @@
           </p:nvSpPr>
           <p:spPr>
             <a:xfrm>
-              <a:off x="7880152" y="5301809"/>
+              <a:off x="7240072" y="4478849"/>
               <a:ext cx="90303" cy="90303"/>
             </a:xfrm>
             <a:prstGeom prst="ellipse">
@@ -7055,7 +7055,7 @@
           </p:nvSpPr>
           <p:spPr>
             <a:xfrm>
-              <a:off x="7926482" y="5437385"/>
+              <a:off x="7286402" y="4614425"/>
               <a:ext cx="90303" cy="90303"/>
             </a:xfrm>
             <a:prstGeom prst="ellipse">
@@ -7090,7 +7090,7 @@
           </p:nvSpPr>
           <p:spPr>
             <a:xfrm>
-              <a:off x="8015407" y="5112003"/>
+              <a:off x="7375327" y="4289043"/>
               <a:ext cx="90303" cy="90303"/>
             </a:xfrm>
             <a:prstGeom prst="ellipse">
@@ -7125,7 +7125,7 @@
           </p:nvSpPr>
           <p:spPr>
             <a:xfrm>
-              <a:off x="8062485" y="5139118"/>
+              <a:off x="7422405" y="4316158"/>
               <a:ext cx="90303" cy="90303"/>
             </a:xfrm>
             <a:prstGeom prst="ellipse">
@@ -7160,7 +7160,7 @@
           </p:nvSpPr>
           <p:spPr>
             <a:xfrm>
-              <a:off x="8105826" y="5247579"/>
+              <a:off x="7465746" y="4424619"/>
               <a:ext cx="90303" cy="90303"/>
             </a:xfrm>
             <a:prstGeom prst="ellipse">
@@ -7195,7 +7195,7 @@
           </p:nvSpPr>
           <p:spPr>
             <a:xfrm>
-              <a:off x="8146926" y="5084888"/>
+              <a:off x="7506846" y="4261928"/>
               <a:ext cx="90303" cy="90303"/>
             </a:xfrm>
             <a:prstGeom prst="ellipse">
@@ -7230,7 +7230,7 @@
           </p:nvSpPr>
           <p:spPr>
             <a:xfrm>
-              <a:off x="8199235" y="3674899"/>
+              <a:off x="7559155" y="2851939"/>
               <a:ext cx="90303" cy="90303"/>
             </a:xfrm>
             <a:prstGeom prst="ellipse">
@@ -7265,7 +7265,7 @@
           </p:nvSpPr>
           <p:spPr>
             <a:xfrm>
-              <a:off x="2024131" y="1876220"/>
+              <a:off x="1384051" y="1053260"/>
               <a:ext cx="6220255" cy="3606316"/>
             </a:xfrm>
             <a:custGeom>
@@ -7713,7 +7713,7 @@
           </p:nvSpPr>
           <p:spPr>
             <a:xfrm>
-              <a:off x="1713118" y="1695905"/>
+              <a:off x="1073038" y="872945"/>
               <a:ext cx="6842281" cy="3966947"/>
             </a:xfrm>
             <a:prstGeom prst="rect">
@@ -7743,7 +7743,7 @@
           </p:nvSpPr>
           <p:spPr>
             <a:xfrm>
-              <a:off x="1713118" y="1695905"/>
+              <a:off x="1073038" y="872945"/>
               <a:ext cx="0" cy="3966947"/>
             </a:xfrm>
             <a:custGeom>
@@ -7783,7 +7783,7 @@
           </p:nvSpPr>
           <p:spPr>
             <a:xfrm>
-              <a:off x="1509225" y="4811511"/>
+              <a:off x="869145" y="3988551"/>
               <a:ext cx="141262" cy="92831"/>
             </a:xfrm>
             <a:prstGeom prst="rect">
@@ -7829,7 +7829,7 @@
           </p:nvSpPr>
           <p:spPr>
             <a:xfrm>
-              <a:off x="1509225" y="3726905"/>
+              <a:off x="869145" y="2903945"/>
               <a:ext cx="141262" cy="92831"/>
             </a:xfrm>
             <a:prstGeom prst="rect">
@@ -7875,7 +7875,7 @@
           </p:nvSpPr>
           <p:spPr>
             <a:xfrm>
-              <a:off x="1438594" y="2642298"/>
+              <a:off x="798514" y="1819338"/>
               <a:ext cx="211894" cy="92831"/>
             </a:xfrm>
             <a:prstGeom prst="rect">
@@ -7921,7 +7921,7 @@
           </p:nvSpPr>
           <p:spPr>
             <a:xfrm>
-              <a:off x="1678324" y="4858888"/>
+              <a:off x="1038244" y="4035928"/>
               <a:ext cx="34794" cy="0"/>
             </a:xfrm>
             <a:custGeom>
@@ -7961,7 +7961,7 @@
           </p:nvSpPr>
           <p:spPr>
             <a:xfrm>
-              <a:off x="1678324" y="3774282"/>
+              <a:off x="1038244" y="2951322"/>
               <a:ext cx="34794" cy="0"/>
             </a:xfrm>
             <a:custGeom>
@@ -8001,7 +8001,7 @@
           </p:nvSpPr>
           <p:spPr>
             <a:xfrm>
-              <a:off x="1678324" y="2689675"/>
+              <a:off x="1038244" y="1866715"/>
               <a:ext cx="34794" cy="0"/>
             </a:xfrm>
             <a:custGeom>
@@ -8041,7 +8041,7 @@
           </p:nvSpPr>
           <p:spPr>
             <a:xfrm>
-              <a:off x="1713118" y="5662853"/>
+              <a:off x="1073038" y="4839893"/>
               <a:ext cx="6842281" cy="0"/>
             </a:xfrm>
             <a:custGeom>
@@ -8081,7 +8081,7 @@
           </p:nvSpPr>
           <p:spPr>
             <a:xfrm>
-              <a:off x="2252047" y="5662853"/>
+              <a:off x="1611967" y="4839893"/>
               <a:ext cx="0" cy="34794"/>
             </a:xfrm>
             <a:custGeom>
@@ -8121,7 +8121,7 @@
           </p:nvSpPr>
           <p:spPr>
             <a:xfrm>
-              <a:off x="2798300" y="5662853"/>
+              <a:off x="2158220" y="4839893"/>
               <a:ext cx="0" cy="34794"/>
             </a:xfrm>
             <a:custGeom>
@@ -8161,7 +8161,7 @@
           </p:nvSpPr>
           <p:spPr>
             <a:xfrm>
-              <a:off x="3343806" y="5662853"/>
+              <a:off x="2703726" y="4839893"/>
               <a:ext cx="0" cy="34794"/>
             </a:xfrm>
             <a:custGeom>
@@ -8201,7 +8201,7 @@
           </p:nvSpPr>
           <p:spPr>
             <a:xfrm>
-              <a:off x="3890058" y="5662853"/>
+              <a:off x="3249978" y="4839893"/>
               <a:ext cx="0" cy="34794"/>
             </a:xfrm>
             <a:custGeom>
@@ -8241,7 +8241,7 @@
           </p:nvSpPr>
           <p:spPr>
             <a:xfrm>
-              <a:off x="4435564" y="5662853"/>
+              <a:off x="3795484" y="4839893"/>
               <a:ext cx="0" cy="34794"/>
             </a:xfrm>
             <a:custGeom>
@@ -8281,7 +8281,7 @@
           </p:nvSpPr>
           <p:spPr>
             <a:xfrm>
-              <a:off x="4981816" y="5662853"/>
+              <a:off x="4341736" y="4839893"/>
               <a:ext cx="0" cy="34794"/>
             </a:xfrm>
             <a:custGeom>
@@ -8321,7 +8321,7 @@
           </p:nvSpPr>
           <p:spPr>
             <a:xfrm>
-              <a:off x="5527322" y="5662853"/>
+              <a:off x="4887242" y="4839893"/>
               <a:ext cx="0" cy="34794"/>
             </a:xfrm>
             <a:custGeom>
@@ -8361,7 +8361,7 @@
           </p:nvSpPr>
           <p:spPr>
             <a:xfrm>
-              <a:off x="6073574" y="5662853"/>
+              <a:off x="5433494" y="4839893"/>
               <a:ext cx="0" cy="34794"/>
             </a:xfrm>
             <a:custGeom>
@@ -8401,7 +8401,7 @@
           </p:nvSpPr>
           <p:spPr>
             <a:xfrm>
-              <a:off x="6619080" y="5662853"/>
+              <a:off x="5979000" y="4839893"/>
               <a:ext cx="0" cy="34794"/>
             </a:xfrm>
             <a:custGeom>
@@ -8441,7 +8441,7 @@
           </p:nvSpPr>
           <p:spPr>
             <a:xfrm>
-              <a:off x="7165332" y="5662853"/>
+              <a:off x="6525252" y="4839893"/>
               <a:ext cx="0" cy="34794"/>
             </a:xfrm>
             <a:custGeom>
@@ -8481,7 +8481,7 @@
           </p:nvSpPr>
           <p:spPr>
             <a:xfrm>
-              <a:off x="7710838" y="5662853"/>
+              <a:off x="7070758" y="4839893"/>
               <a:ext cx="0" cy="34794"/>
             </a:xfrm>
             <a:custGeom>
@@ -8521,7 +8521,7 @@
           </p:nvSpPr>
           <p:spPr>
             <a:xfrm>
-              <a:off x="8257090" y="5662853"/>
+              <a:off x="7617010" y="4839893"/>
               <a:ext cx="0" cy="34794"/>
             </a:xfrm>
             <a:custGeom>
@@ -8561,7 +8561,7 @@
           </p:nvSpPr>
           <p:spPr>
             <a:xfrm>
-              <a:off x="2110785" y="5736924"/>
+              <a:off x="1470705" y="4913964"/>
               <a:ext cx="282525" cy="92831"/>
             </a:xfrm>
             <a:prstGeom prst="rect">
@@ -8607,7 +8607,7 @@
           </p:nvSpPr>
           <p:spPr>
             <a:xfrm>
-              <a:off x="2657037" y="5736924"/>
+              <a:off x="2016957" y="4913964"/>
               <a:ext cx="282525" cy="92831"/>
             </a:xfrm>
             <a:prstGeom prst="rect">
@@ -8653,7 +8653,7 @@
           </p:nvSpPr>
           <p:spPr>
             <a:xfrm>
-              <a:off x="3202543" y="5736924"/>
+              <a:off x="2562463" y="4913964"/>
               <a:ext cx="282525" cy="92831"/>
             </a:xfrm>
             <a:prstGeom prst="rect">
@@ -8699,7 +8699,7 @@
           </p:nvSpPr>
           <p:spPr>
             <a:xfrm>
-              <a:off x="3748795" y="5736924"/>
+              <a:off x="3108715" y="4913964"/>
               <a:ext cx="282525" cy="92831"/>
             </a:xfrm>
             <a:prstGeom prst="rect">
@@ -8745,7 +8745,7 @@
           </p:nvSpPr>
           <p:spPr>
             <a:xfrm>
-              <a:off x="4294301" y="5736924"/>
+              <a:off x="3654221" y="4913964"/>
               <a:ext cx="282525" cy="92831"/>
             </a:xfrm>
             <a:prstGeom prst="rect">
@@ -8791,7 +8791,7 @@
           </p:nvSpPr>
           <p:spPr>
             <a:xfrm>
-              <a:off x="4840553" y="5736924"/>
+              <a:off x="4200473" y="4913964"/>
               <a:ext cx="282525" cy="92831"/>
             </a:xfrm>
             <a:prstGeom prst="rect">
@@ -8837,7 +8837,7 @@
           </p:nvSpPr>
           <p:spPr>
             <a:xfrm>
-              <a:off x="5386059" y="5736924"/>
+              <a:off x="4745979" y="4913964"/>
               <a:ext cx="282525" cy="92831"/>
             </a:xfrm>
             <a:prstGeom prst="rect">
@@ -8883,7 +8883,7 @@
           </p:nvSpPr>
           <p:spPr>
             <a:xfrm>
-              <a:off x="5932312" y="5736924"/>
+              <a:off x="5292232" y="4913964"/>
               <a:ext cx="282525" cy="92831"/>
             </a:xfrm>
             <a:prstGeom prst="rect">
@@ -8929,7 +8929,7 @@
           </p:nvSpPr>
           <p:spPr>
             <a:xfrm>
-              <a:off x="6477817" y="5736924"/>
+              <a:off x="5837737" y="4913964"/>
               <a:ext cx="282525" cy="92831"/>
             </a:xfrm>
             <a:prstGeom prst="rect">
@@ -8975,7 +8975,7 @@
           </p:nvSpPr>
           <p:spPr>
             <a:xfrm>
-              <a:off x="7024070" y="5736924"/>
+              <a:off x="6383990" y="4913964"/>
               <a:ext cx="282525" cy="92831"/>
             </a:xfrm>
             <a:prstGeom prst="rect">
@@ -9021,7 +9021,7 @@
           </p:nvSpPr>
           <p:spPr>
             <a:xfrm>
-              <a:off x="7569575" y="5736924"/>
+              <a:off x="6929495" y="4913964"/>
               <a:ext cx="282525" cy="92831"/>
             </a:xfrm>
             <a:prstGeom prst="rect">
@@ -9067,7 +9067,7 @@
           </p:nvSpPr>
           <p:spPr>
             <a:xfrm>
-              <a:off x="8115828" y="5736924"/>
+              <a:off x="7475748" y="4913964"/>
               <a:ext cx="282525" cy="92831"/>
             </a:xfrm>
             <a:prstGeom prst="rect">
@@ -9113,7 +9113,7 @@
           </p:nvSpPr>
           <p:spPr>
             <a:xfrm>
-              <a:off x="4714988" y="5848650"/>
+              <a:off x="4074908" y="5025690"/>
               <a:ext cx="838541" cy="129263"/>
             </a:xfrm>
             <a:prstGeom prst="rect">
@@ -9159,7 +9159,7 @@
           </p:nvSpPr>
           <p:spPr>
             <a:xfrm rot="-5400000">
-              <a:off x="573239" y="3613826"/>
+              <a:off x="-66840" y="2790866"/>
               <a:ext cx="1412416" cy="131105"/>
             </a:xfrm>
             <a:prstGeom prst="rect">
@@ -9205,7 +9205,7 @@
           </p:nvSpPr>
           <p:spPr>
             <a:xfrm>
-              <a:off x="4648871" y="6146491"/>
+              <a:off x="4008791" y="5323531"/>
               <a:ext cx="970775" cy="358634"/>
             </a:xfrm>
             <a:prstGeom prst="rect">
@@ -9231,7 +9231,7 @@
           </p:nvSpPr>
           <p:spPr>
             <a:xfrm>
-              <a:off x="4788049" y="6216080"/>
+              <a:off x="4147969" y="5393120"/>
               <a:ext cx="219455" cy="219455"/>
             </a:xfrm>
             <a:prstGeom prst="rect">
@@ -9257,7 +9257,7 @@
           </p:nvSpPr>
           <p:spPr>
             <a:xfrm>
-              <a:off x="4852625" y="6280657"/>
+              <a:off x="4212545" y="5457697"/>
               <a:ext cx="90303" cy="90303"/>
             </a:xfrm>
             <a:prstGeom prst="ellipse">
@@ -9292,7 +9292,7 @@
           </p:nvSpPr>
           <p:spPr>
             <a:xfrm>
-              <a:off x="4809995" y="6325808"/>
+              <a:off x="4169915" y="5502848"/>
               <a:ext cx="175564" cy="0"/>
             </a:xfrm>
             <a:custGeom>
@@ -9332,7 +9332,7 @@
           </p:nvSpPr>
           <p:spPr>
             <a:xfrm>
-              <a:off x="5077094" y="6277253"/>
+              <a:off x="4437014" y="5454293"/>
               <a:ext cx="472963" cy="94009"/>
             </a:xfrm>
             <a:prstGeom prst="rect">
@@ -9378,7 +9378,7 @@
           </p:nvSpPr>
           <p:spPr>
             <a:xfrm>
-              <a:off x="4201353" y="6505125"/>
+              <a:off x="3561273" y="5682165"/>
               <a:ext cx="1865810" cy="358634"/>
             </a:xfrm>
             <a:prstGeom prst="rect">
@@ -9404,7 +9404,7 @@
           </p:nvSpPr>
           <p:spPr>
             <a:xfrm>
-              <a:off x="4340531" y="6574714"/>
+              <a:off x="3700451" y="5751754"/>
               <a:ext cx="219455" cy="219455"/>
             </a:xfrm>
             <a:prstGeom prst="rect">
@@ -9430,7 +9430,7 @@
           </p:nvSpPr>
           <p:spPr>
             <a:xfrm>
-              <a:off x="4405107" y="6639291"/>
+              <a:off x="3765027" y="5816331"/>
               <a:ext cx="90303" cy="90303"/>
             </a:xfrm>
             <a:prstGeom prst="ellipse">
@@ -9465,7 +9465,7 @@
           </p:nvSpPr>
           <p:spPr>
             <a:xfrm>
-              <a:off x="5066213" y="6574714"/>
+              <a:off x="4426133" y="5751754"/>
               <a:ext cx="219455" cy="219455"/>
             </a:xfrm>
             <a:prstGeom prst="rect">
@@ -9491,7 +9491,7 @@
           </p:nvSpPr>
           <p:spPr>
             <a:xfrm>
-              <a:off x="5130789" y="6639291"/>
+              <a:off x="4490709" y="5816331"/>
               <a:ext cx="90303" cy="90303"/>
             </a:xfrm>
             <a:prstGeom prst="ellipse">
@@ -9521,7 +9521,7 @@
           </p:nvSpPr>
           <p:spPr>
             <a:xfrm>
-              <a:off x="4629576" y="6637500"/>
+              <a:off x="3989496" y="5814540"/>
               <a:ext cx="367047" cy="92397"/>
             </a:xfrm>
             <a:prstGeom prst="rect">
@@ -9567,7 +9567,7 @@
           </p:nvSpPr>
           <p:spPr>
             <a:xfrm>
-              <a:off x="5355258" y="6637500"/>
+              <a:off x="4715178" y="5814540"/>
               <a:ext cx="642317" cy="92397"/>
             </a:xfrm>
             <a:prstGeom prst="rect">
@@ -9613,7 +9613,7 @@
           </p:nvSpPr>
           <p:spPr>
             <a:xfrm>
-              <a:off x="4931108" y="1484706"/>
+              <a:off x="4291028" y="661746"/>
               <a:ext cx="406300" cy="109537"/>
             </a:xfrm>
             <a:prstGeom prst="rect">
@@ -9659,7 +9659,7 @@
           </p:nvSpPr>
           <p:spPr>
             <a:xfrm>
-              <a:off x="3453468" y="1270679"/>
+              <a:off x="2813388" y="447719"/>
               <a:ext cx="3361580" cy="112811"/>
             </a:xfrm>
             <a:prstGeom prst="rect">
